--- a/집값 예측 경진대회/집값 예측 경진대회 review.pptx
+++ b/집값 예측 경진대회/집값 예측 경진대회 review.pptx
@@ -259,7 +259,7 @@
           <a:p>
             <a:fld id="{8F329971-59D5-4B0C-9575-8FA92566BFFF}" type="datetimeFigureOut">
               <a:rPr lang="ko-KR" altLang="en-US" smtClean="0"/>
-              <a:t>2022-02-10</a:t>
+              <a:t>2022-05-30</a:t>
             </a:fld>
             <a:endParaRPr lang="ko-KR" altLang="en-US"/>
           </a:p>
@@ -429,7 +429,7 @@
           <a:p>
             <a:fld id="{8F329971-59D5-4B0C-9575-8FA92566BFFF}" type="datetimeFigureOut">
               <a:rPr lang="ko-KR" altLang="en-US" smtClean="0"/>
-              <a:t>2022-02-10</a:t>
+              <a:t>2022-05-30</a:t>
             </a:fld>
             <a:endParaRPr lang="ko-KR" altLang="en-US"/>
           </a:p>
@@ -609,7 +609,7 @@
           <a:p>
             <a:fld id="{8F329971-59D5-4B0C-9575-8FA92566BFFF}" type="datetimeFigureOut">
               <a:rPr lang="ko-KR" altLang="en-US" smtClean="0"/>
-              <a:t>2022-02-10</a:t>
+              <a:t>2022-05-30</a:t>
             </a:fld>
             <a:endParaRPr lang="ko-KR" altLang="en-US"/>
           </a:p>
@@ -779,7 +779,7 @@
           <a:p>
             <a:fld id="{8F329971-59D5-4B0C-9575-8FA92566BFFF}" type="datetimeFigureOut">
               <a:rPr lang="ko-KR" altLang="en-US" smtClean="0"/>
-              <a:t>2022-02-10</a:t>
+              <a:t>2022-05-30</a:t>
             </a:fld>
             <a:endParaRPr lang="ko-KR" altLang="en-US"/>
           </a:p>
@@ -1025,7 +1025,7 @@
           <a:p>
             <a:fld id="{8F329971-59D5-4B0C-9575-8FA92566BFFF}" type="datetimeFigureOut">
               <a:rPr lang="ko-KR" altLang="en-US" smtClean="0"/>
-              <a:t>2022-02-10</a:t>
+              <a:t>2022-05-30</a:t>
             </a:fld>
             <a:endParaRPr lang="ko-KR" altLang="en-US"/>
           </a:p>
@@ -1257,7 +1257,7 @@
           <a:p>
             <a:fld id="{8F329971-59D5-4B0C-9575-8FA92566BFFF}" type="datetimeFigureOut">
               <a:rPr lang="ko-KR" altLang="en-US" smtClean="0"/>
-              <a:t>2022-02-10</a:t>
+              <a:t>2022-05-30</a:t>
             </a:fld>
             <a:endParaRPr lang="ko-KR" altLang="en-US"/>
           </a:p>
@@ -1624,7 +1624,7 @@
           <a:p>
             <a:fld id="{8F329971-59D5-4B0C-9575-8FA92566BFFF}" type="datetimeFigureOut">
               <a:rPr lang="ko-KR" altLang="en-US" smtClean="0"/>
-              <a:t>2022-02-10</a:t>
+              <a:t>2022-05-30</a:t>
             </a:fld>
             <a:endParaRPr lang="ko-KR" altLang="en-US"/>
           </a:p>
@@ -1742,7 +1742,7 @@
           <a:p>
             <a:fld id="{8F329971-59D5-4B0C-9575-8FA92566BFFF}" type="datetimeFigureOut">
               <a:rPr lang="ko-KR" altLang="en-US" smtClean="0"/>
-              <a:t>2022-02-10</a:t>
+              <a:t>2022-05-30</a:t>
             </a:fld>
             <a:endParaRPr lang="ko-KR" altLang="en-US"/>
           </a:p>
@@ -1837,7 +1837,7 @@
           <a:p>
             <a:fld id="{8F329971-59D5-4B0C-9575-8FA92566BFFF}" type="datetimeFigureOut">
               <a:rPr lang="ko-KR" altLang="en-US" smtClean="0"/>
-              <a:t>2022-02-10</a:t>
+              <a:t>2022-05-30</a:t>
             </a:fld>
             <a:endParaRPr lang="ko-KR" altLang="en-US"/>
           </a:p>
@@ -2114,7 +2114,7 @@
           <a:p>
             <a:fld id="{8F329971-59D5-4B0C-9575-8FA92566BFFF}" type="datetimeFigureOut">
               <a:rPr lang="ko-KR" altLang="en-US" smtClean="0"/>
-              <a:t>2022-02-10</a:t>
+              <a:t>2022-05-30</a:t>
             </a:fld>
             <a:endParaRPr lang="ko-KR" altLang="en-US"/>
           </a:p>
@@ -2367,7 +2367,7 @@
           <a:p>
             <a:fld id="{8F329971-59D5-4B0C-9575-8FA92566BFFF}" type="datetimeFigureOut">
               <a:rPr lang="ko-KR" altLang="en-US" smtClean="0"/>
-              <a:t>2022-02-10</a:t>
+              <a:t>2022-05-30</a:t>
             </a:fld>
             <a:endParaRPr lang="ko-KR" altLang="en-US"/>
           </a:p>
@@ -2580,7 +2580,7 @@
           <a:p>
             <a:fld id="{8F329971-59D5-4B0C-9575-8FA92566BFFF}" type="datetimeFigureOut">
               <a:rPr lang="ko-KR" altLang="en-US" smtClean="0"/>
-              <a:t>2022-02-10</a:t>
+              <a:t>2022-05-30</a:t>
             </a:fld>
             <a:endParaRPr lang="ko-KR" altLang="en-US"/>
           </a:p>
@@ -3019,71 +3019,6 @@
           </a:p>
         </p:txBody>
       </p:sp>
-      <p:sp>
-        <p:nvSpPr>
-          <p:cNvPr id="3" name="부제목 2"/>
-          <p:cNvSpPr>
-            <a:spLocks noGrp="1"/>
-          </p:cNvSpPr>
-          <p:nvPr>
-            <p:ph type="subTitle" idx="1"/>
-          </p:nvPr>
-        </p:nvSpPr>
-        <p:spPr>
-          <a:xfrm>
-            <a:off x="8649730" y="4423719"/>
-            <a:ext cx="3155090" cy="1647569"/>
-          </a:xfrm>
-        </p:spPr>
-        <p:txBody>
-          <a:bodyPr>
-            <a:normAutofit fontScale="92500" lnSpcReduction="10000"/>
-          </a:bodyPr>
-          <a:lstStyle/>
-          <a:p>
-            <a:pPr algn="r"/>
-            <a:r>
-              <a:rPr lang="ko-KR" altLang="en-US" dirty="0" smtClean="0"/>
-              <a:t>전자공학과</a:t>
-            </a:r>
-            <a:r>
-              <a:rPr lang="en-US" altLang="ko-KR" dirty="0"/>
-              <a:t> </a:t>
-            </a:r>
-            <a:r>
-              <a:rPr lang="en-US" altLang="ko-KR" dirty="0" smtClean="0"/>
-              <a:t>+</a:t>
-            </a:r>
-          </a:p>
-          <a:p>
-            <a:pPr algn="r"/>
-            <a:r>
-              <a:rPr lang="ko-KR" altLang="en-US" dirty="0" smtClean="0"/>
-              <a:t>소프트웨어경영학과</a:t>
-            </a:r>
-            <a:endParaRPr lang="en-US" altLang="ko-KR" dirty="0" smtClean="0"/>
-          </a:p>
-          <a:p>
-            <a:pPr algn="r"/>
-            <a:r>
-              <a:rPr lang="en-US" altLang="ko-KR" dirty="0" smtClean="0"/>
-              <a:t>2017035210</a:t>
-            </a:r>
-          </a:p>
-          <a:p>
-            <a:pPr algn="r"/>
-            <a:r>
-              <a:rPr lang="en-US" altLang="ko-KR" dirty="0" smtClean="0"/>
-              <a:t> </a:t>
-            </a:r>
-            <a:r>
-              <a:rPr lang="ko-KR" altLang="en-US" dirty="0" err="1" smtClean="0"/>
-              <a:t>홍영훈</a:t>
-            </a:r>
-            <a:endParaRPr lang="ko-KR" altLang="en-US" dirty="0"/>
-          </a:p>
-        </p:txBody>
-      </p:sp>
     </p:spTree>
     <p:extLst>
       <p:ext uri="{BB962C8B-B14F-4D97-AF65-F5344CB8AC3E}">
@@ -4268,7 +4203,7 @@
         </p:nvSpPr>
         <p:spPr>
           <a:xfrm>
-            <a:off x="838200" y="1136524"/>
+            <a:off x="904102" y="1136524"/>
             <a:ext cx="10172701" cy="923330"/>
           </a:xfrm>
           <a:prstGeom prst="rect">
@@ -5100,7 +5035,7 @@
         <p:spPr>
           <a:xfrm>
             <a:off x="838200" y="1094014"/>
-            <a:ext cx="7750629" cy="1785104"/>
+            <a:ext cx="11081657" cy="2123658"/>
           </a:xfrm>
           <a:prstGeom prst="rect">
             <a:avLst/>
@@ -5179,8 +5114,39 @@
             </a:r>
             <a:r>
               <a:rPr lang="en-US" altLang="ko-KR" sz="2200" dirty="0" smtClean="0"/>
-              <a:t>.</a:t>
-            </a:r>
+              <a:t>. </a:t>
+            </a:r>
+          </a:p>
+          <a:p>
+            <a:r>
+              <a:rPr lang="en-US" altLang="ko-KR" sz="2200" dirty="0" smtClean="0"/>
+              <a:t>(</a:t>
+            </a:r>
+            <a:r>
+              <a:rPr lang="ko-KR" altLang="en-US" sz="2200" dirty="0" smtClean="0"/>
+              <a:t>예를 들어</a:t>
+            </a:r>
+            <a:r>
+              <a:rPr lang="en-US" altLang="ko-KR" sz="2200" dirty="0" smtClean="0"/>
+              <a:t>, </a:t>
+            </a:r>
+            <a:r>
+              <a:rPr lang="ko-KR" altLang="en-US" sz="2200" dirty="0" smtClean="0"/>
+              <a:t>학습 결과 </a:t>
+            </a:r>
+            <a:r>
+              <a:rPr lang="en-US" altLang="ko-KR" sz="2200" dirty="0" smtClean="0"/>
+              <a:t>full bath</a:t>
+            </a:r>
+            <a:r>
+              <a:rPr lang="ko-KR" altLang="en-US" sz="2200" dirty="0" smtClean="0"/>
+              <a:t>의 상관 계수가 음수였는데 딱히 고려 못함</a:t>
+            </a:r>
+            <a:r>
+              <a:rPr lang="en-US" altLang="ko-KR" sz="2200" smtClean="0"/>
+              <a:t>.)</a:t>
+            </a:r>
+            <a:endParaRPr lang="en-US" altLang="ko-KR" sz="2200" dirty="0" smtClean="0"/>
           </a:p>
         </p:txBody>
       </p:sp>
